--- a/apps/api/outputs/ppt/top_ai_ml_papers_2026.pptx
+++ b/apps/api/outputs/ppt/top_ai_ml_papers_2026.pptx
@@ -1432,45 +1432,9 @@
                   <a:srgbClr val="363636"/>
                 </a:solidFill>
               </a:rPr>
-              <a:t>Top 3 Hot AI/ML Papers Published in 2026</a:t>
+              <a:t>Top 3 AI/ML Papers Published in 2026</a:t>
             </a:r>
             <a:endParaRPr lang="en-US" sz="4400" dirty="0"/>
-          </a:p>
-        </p:txBody>
-      </p:sp>
-      <p:sp>
-        <p:nvSpPr>
-          <p:cNvPr id="3" name="Text 1"/>
-          <p:cNvSpPr/>
-          <p:nvPr/>
-        </p:nvSpPr>
-        <p:spPr>
-          <a:xfrm>
-            <a:off x="914400" y="2286000"/>
-            <a:ext cx="7315200" cy="685800"/>
-          </a:xfrm>
-          <a:prstGeom prst="rect">
-            <a:avLst/>
-          </a:prstGeom>
-          <a:noFill/>
-          <a:ln/>
-        </p:spPr>
-        <p:txBody>
-          <a:bodyPr wrap="square" rtlCol="0" anchor="ctr"/>
-          <a:lstStyle/>
-          <a:p>
-            <a:pPr algn="ctr" indent="0" marL="0">
-              <a:buNone/>
-            </a:pPr>
-            <a:r>
-              <a:rPr lang="en-US" sz="2400" dirty="0">
-                <a:solidFill>
-                  <a:srgbClr val="666666"/>
-                </a:solidFill>
-              </a:rPr>
-              <a:t>Trending Research in Machine Learning, Deep Learning &amp; Explainable AI</a:t>
-            </a:r>
-            <a:endParaRPr lang="en-US" sz="2400" dirty="0"/>
           </a:p>
         </p:txBody>
       </p:sp>
@@ -1529,7 +1493,7 @@
                   <a:srgbClr val="363636"/>
                 </a:solidFill>
               </a:rPr>
-              <a:t>Overview</a:t>
+              <a:t>Introduction</a:t>
             </a:r>
             <a:endParaRPr lang="en-US" sz="3200" dirty="0"/>
           </a:p>
@@ -1565,7 +1529,7 @@
                   <a:srgbClr val="444444"/>
                 </a:solidFill>
               </a:rPr>
-              <a:t>Top 3 AI/ML Papers Published in 2026</a:t>
+              <a:t>Overview of the hottest AI/ML papers published in 2026</a:t>
             </a:r>
             <a:endParaRPr lang="en-US" sz="1800" dirty="0"/>
           </a:p>
@@ -1601,7 +1565,7 @@
                   <a:srgbClr val="444444"/>
                 </a:solidFill>
               </a:rPr>
-              <a:t>Selected from recent academic publications covering diverse applications</a:t>
+              <a:t>Comprehensive coverage of recent advances in artificial intelligence and machine learning</a:t>
             </a:r>
             <a:endParaRPr lang="en-US" sz="1800" dirty="0"/>
           </a:p>
@@ -1637,7 +1601,7 @@
                   <a:srgbClr val="555555"/>
                 </a:solidFill>
               </a:rPr>
-              <a:t>• Comprehensive reviews and applications across Education, Finance, and Healthcare</a:t>
+              <a:t>• Published in peer-reviewed venues</a:t>
             </a:r>
             <a:endParaRPr lang="en-US" sz="1600" dirty="0"/>
           </a:p>
@@ -1673,7 +1637,7 @@
                   <a:srgbClr val="555555"/>
                 </a:solidFill>
               </a:rPr>
-              <a:t>• Focus on Explainable AI (XAI) integration</a:t>
+              <a:t>• Covering diverse AI/ML topics</a:t>
             </a:r>
             <a:endParaRPr lang="en-US" sz="1600" dirty="0"/>
           </a:p>
@@ -1709,7 +1673,7 @@
                   <a:srgbClr val="555555"/>
                 </a:solidFill>
               </a:rPr>
-              <a:t>• Latest advances in hybrid deep learning architectures</a:t>
+              <a:t>• Representing cutting-edge research trends</a:t>
             </a:r>
             <a:endParaRPr lang="en-US" sz="1600" dirty="0"/>
           </a:p>
@@ -1770,7 +1734,7 @@
                   <a:srgbClr val="363636"/>
                 </a:solidFill>
               </a:rPr>
-              <a:t>Paper 1: Student Performance Prediction</a:t>
+              <a:t>Paper 1: Predicting Student Performance</a:t>
             </a:r>
             <a:endParaRPr lang="en-US" sz="3200" dirty="0"/>
           </a:p>
@@ -1806,7 +1770,7 @@
                   <a:srgbClr val="444444"/>
                 </a:solidFill>
               </a:rPr>
-              <a:t>Title: Predicting student performance: A comprehensive review of machine learning, deep learning, and explainable AI approaches</a:t>
+              <a:t>A comprehensive review of machine learning, deep learning, and explainable AI approaches</a:t>
             </a:r>
             <a:endParaRPr lang="en-US" sz="1800" dirty="0"/>
           </a:p>
@@ -1878,7 +1842,7 @@
                   <a:srgbClr val="444444"/>
                 </a:solidFill>
               </a:rPr>
-              <a:t>Publication Date: June 2026</a:t>
+              <a:t>Publication: Computers and Education: Artificial Intelligence, June 2026</a:t>
             </a:r>
             <a:endParaRPr lang="en-US" sz="1800" dirty="0"/>
           </a:p>
@@ -1914,7 +1878,7 @@
                   <a:srgbClr val="444444"/>
                 </a:solidFill>
               </a:rPr>
-              <a:t>Venue: Computers and Education: Artificial Intelligence</a:t>
+              <a:t>DOI: 10.1016/j.caeai.2026.100548</a:t>
             </a:r>
             <a:endParaRPr lang="en-US" sz="1800" dirty="0"/>
           </a:p>
@@ -1950,7 +1914,7 @@
                   <a:srgbClr val="555555"/>
                 </a:solidFill>
               </a:rPr>
-              <a:t>• Comprehensive review of ML, DL, and XAI approaches for educational analytics</a:t>
+              <a:t>• Comprehensive review methodology</a:t>
             </a:r>
             <a:endParaRPr lang="en-US" sz="1600" dirty="0"/>
           </a:p>
@@ -1986,7 +1950,7 @@
                   <a:srgbClr val="555555"/>
                 </a:solidFill>
               </a:rPr>
-              <a:t>• Addresses personalized learning and early intervention strategies</a:t>
+              <a:t>• ML and deep learning approaches</a:t>
             </a:r>
             <a:endParaRPr lang="en-US" sz="1600" dirty="0"/>
           </a:p>
@@ -2022,7 +1986,7 @@
                   <a:srgbClr val="555555"/>
                 </a:solidFill>
               </a:rPr>
-              <a:t>• Integrates multiple AI techniques for improved prediction accuracy</a:t>
+              <a:t>• Explainable AI integration</a:t>
             </a:r>
             <a:endParaRPr lang="en-US" sz="1600" dirty="0"/>
           </a:p>
@@ -2058,7 +2022,7 @@
                   <a:srgbClr val="555555"/>
                 </a:solidFill>
               </a:rPr>
-              <a:t>• Open access through Semantic Scholar</a:t>
+              <a:t>• Educational applications focus</a:t>
             </a:r>
             <a:endParaRPr lang="en-US" sz="1600" dirty="0"/>
           </a:p>
@@ -2119,7 +2083,7 @@
                   <a:srgbClr val="363636"/>
                 </a:solidFill>
               </a:rPr>
-              <a:t>Paper 2: Anti-Money Laundering Detection</a:t>
+              <a:t>Paper 2: Hybrid Deep Learning for Anti-Money Laundering</a:t>
             </a:r>
             <a:endParaRPr lang="en-US" sz="3200" dirty="0"/>
           </a:p>
@@ -2155,7 +2119,7 @@
                   <a:srgbClr val="444444"/>
                 </a:solidFill>
               </a:rPr>
-              <a:t>Title: Hybrid deep learning for anti-money laundering: Unsupervised detection of emerging schemes via feature fusion and explainable artificial intelligence</a:t>
+              <a:t>Hybrid deep learning for anti-money laundering: Unsupervised detection of emerging schemes via feature fusion and explainable artificial intelligence</a:t>
             </a:r>
             <a:endParaRPr lang="en-US" sz="1800" dirty="0"/>
           </a:p>
@@ -2227,7 +2191,7 @@
                   <a:srgbClr val="444444"/>
                 </a:solidFill>
               </a:rPr>
-              <a:t>Publication Date: March 2026</a:t>
+              <a:t>Publication: Machine Learning with Applications, March 2026</a:t>
             </a:r>
             <a:endParaRPr lang="en-US" sz="1800" dirty="0"/>
           </a:p>
@@ -2263,7 +2227,7 @@
                   <a:srgbClr val="444444"/>
                 </a:solidFill>
               </a:rPr>
-              <a:t>Venue: Machine Learning with Applications</a:t>
+              <a:t>DOI: 10.1016/j.mlwa.2026.100856</a:t>
             </a:r>
             <a:endParaRPr lang="en-US" sz="1800" dirty="0"/>
           </a:p>
@@ -2299,7 +2263,7 @@
                   <a:srgbClr val="555555"/>
                 </a:solidFill>
               </a:rPr>
-              <a:t>• Novel hybrid deep learning architecture for financial fraud detection</a:t>
+              <a:t>• Hybrid deep learning architecture</a:t>
             </a:r>
             <a:endParaRPr lang="en-US" sz="1600" dirty="0"/>
           </a:p>
@@ -2335,7 +2299,7 @@
                   <a:srgbClr val="555555"/>
                 </a:solidFill>
               </a:rPr>
-              <a:t>• Feature fusion techniques to handle complex AML schemes</a:t>
+              <a:t>• Unsupervised detection schemes</a:t>
             </a:r>
             <a:endParaRPr lang="en-US" sz="1600" dirty="0"/>
           </a:p>
@@ -2371,7 +2335,7 @@
                   <a:srgbClr val="555555"/>
                 </a:solidFill>
               </a:rPr>
-              <a:t>• Explainable AI integration for regulatory compliance and trust</a:t>
+              <a:t>• Feature fusion techniques</a:t>
             </a:r>
             <a:endParaRPr lang="en-US" sz="1600" dirty="0"/>
           </a:p>
@@ -2407,7 +2371,7 @@
                   <a:srgbClr val="555555"/>
                 </a:solidFill>
               </a:rPr>
-              <a:t>• Unsupervised learning for emerging and evolving fraud patterns</a:t>
+              <a:t>• Explainable AI for regulatory compliance</a:t>
             </a:r>
             <a:endParaRPr lang="en-US" sz="1600" dirty="0"/>
           </a:p>
@@ -2468,7 +2432,7 @@
                   <a:srgbClr val="363636"/>
                 </a:solidFill>
               </a:rPr>
-              <a:t>Paper 3: REM Sleep Behavior Disorder</a:t>
+              <a:t>Paper 3: Mining Generalizable Activation Functions</a:t>
             </a:r>
             <a:endParaRPr lang="en-US" sz="3200" dirty="0"/>
           </a:p>
@@ -2504,7 +2468,7 @@
                   <a:srgbClr val="444444"/>
                 </a:solidFill>
               </a:rPr>
-              <a:t>Title: Artificial Intelligence in REM Sleep Behavior Disorder: A Systematic Review of Machine and Deep Learning Methods</a:t>
+              <a:t>Mining Generalizable Activation Functions</a:t>
             </a:r>
             <a:endParaRPr lang="en-US" sz="1800" dirty="0"/>
           </a:p>
@@ -2540,7 +2504,7 @@
                   <a:srgbClr val="444444"/>
                 </a:solidFill>
               </a:rPr>
-              <a:t>Authors: A. Brink-Kjaer et al. (16 co-authors)</a:t>
+              <a:t>Authors: Alex Vitvitskyi, Michael Boratko, Matej Grcic, Razvan Pascanu, Deep Shah, Petar Veličković</a:t>
             </a:r>
             <a:endParaRPr lang="en-US" sz="1800" dirty="0"/>
           </a:p>
@@ -2576,7 +2540,7 @@
                   <a:srgbClr val="444444"/>
                 </a:solidFill>
               </a:rPr>
-              <a:t>Publication Date: February 2026</a:t>
+              <a:t>Publication: arXiv, February 2026</a:t>
             </a:r>
             <a:endParaRPr lang="en-US" sz="1800" dirty="0"/>
           </a:p>
@@ -2612,7 +2576,7 @@
                   <a:srgbClr val="444444"/>
                 </a:solidFill>
               </a:rPr>
-              <a:t>Venue: Sleep Medicine</a:t>
+              <a:t>arXiv: 2602.05688</a:t>
             </a:r>
             <a:endParaRPr lang="en-US" sz="1800" dirty="0"/>
           </a:p>
@@ -2648,7 +2612,7 @@
                   <a:srgbClr val="555555"/>
                 </a:solidFill>
               </a:rPr>
-              <a:t>• Comprehensive systematic review of AI/ML in sleep medicine</a:t>
+              <a:t>• Evolutionary search for activation functions</a:t>
             </a:r>
             <a:endParaRPr lang="en-US" sz="1600" dirty="0"/>
           </a:p>
@@ -2684,7 +2648,7 @@
                   <a:srgbClr val="555555"/>
                 </a:solidFill>
               </a:rPr>
-              <a:t>• Focus on REM Sleep Behavior Disorder (RBD) diagnosis and monitoring</a:t>
+              <a:t>• AlphaEvolve pipeline using frontier LLMs</a:t>
             </a:r>
             <a:endParaRPr lang="en-US" sz="1600" dirty="0"/>
           </a:p>
@@ -2720,7 +2684,7 @@
                   <a:srgbClr val="555555"/>
                 </a:solidFill>
               </a:rPr>
-              <a:t>• Machine and deep learning methods for sleep quality analysis</a:t>
+              <a:t>• Generalizable activation function discovery</a:t>
             </a:r>
             <a:endParaRPr lang="en-US" sz="1600" dirty="0"/>
           </a:p>
@@ -2756,7 +2720,7 @@
                   <a:srgbClr val="555555"/>
                 </a:solidFill>
               </a:rPr>
-              <a:t>• Clinical applications and patient outcome improvement</a:t>
+              <a:t>• Impact on optimization and expressivity</a:t>
             </a:r>
             <a:endParaRPr lang="en-US" sz="1600" dirty="0"/>
           </a:p>
@@ -2817,7 +2781,7 @@
                   <a:srgbClr val="363636"/>
                 </a:solidFill>
               </a:rPr>
-              <a:t>Emerging Trends</a:t>
+              <a:t>Key Trends in 2026 AI/ML</a:t>
             </a:r>
             <a:endParaRPr lang="en-US" sz="3200" dirty="0"/>
           </a:p>
@@ -2853,7 +2817,7 @@
                   <a:srgbClr val="444444"/>
                 </a:solidFill>
               </a:rPr>
-              <a:t>Cross-domain AI applications: Education, Finance, Healthcare</a:t>
+              <a:t>Emerging themes across the selected papers</a:t>
             </a:r>
             <a:endParaRPr lang="en-US" sz="1800" dirty="0"/>
           </a:p>
@@ -2868,30 +2832,30 @@
         <p:spPr>
           <a:xfrm>
             <a:off x="457200" y="2148840"/>
-            <a:ext cx="8229600" cy="685800"/>
-          </a:xfrm>
-          <a:prstGeom prst="rect">
-            <a:avLst/>
-          </a:prstGeom>
-          <a:noFill/>
-          <a:ln/>
-        </p:spPr>
-        <p:txBody>
-          <a:bodyPr wrap="square" rtlCol="0" anchor="ctr"/>
-          <a:lstStyle/>
-          <a:p>
-            <a:pPr indent="0" marL="0">
-              <a:buNone/>
-            </a:pPr>
-            <a:r>
-              <a:rPr lang="en-US" sz="1800" dirty="0">
-                <a:solidFill>
-                  <a:srgbClr val="444444"/>
-                </a:solidFill>
-              </a:rPr>
-              <a:t>Explainable AI integration across all domains</a:t>
-            </a:r>
-            <a:endParaRPr lang="en-US" sz="1800" dirty="0"/>
+            <a:ext cx="7772400" cy="457200"/>
+          </a:xfrm>
+          <a:prstGeom prst="rect">
+            <a:avLst/>
+          </a:prstGeom>
+          <a:noFill/>
+          <a:ln/>
+        </p:spPr>
+        <p:txBody>
+          <a:bodyPr wrap="square" rtlCol="0" anchor="ctr"/>
+          <a:lstStyle/>
+          <a:p>
+            <a:pPr indent="0" marL="0">
+              <a:buNone/>
+            </a:pPr>
+            <a:r>
+              <a:rPr lang="en-US" sz="1600" dirty="0">
+                <a:solidFill>
+                  <a:srgbClr val="555555"/>
+                </a:solidFill>
+              </a:rPr>
+              <a:t>• Explainable AI integration in critical applications</a:t>
+            </a:r>
+            <a:endParaRPr lang="en-US" sz="1600" dirty="0"/>
           </a:p>
         </p:txBody>
       </p:sp>
@@ -2903,31 +2867,31 @@
         </p:nvSpPr>
         <p:spPr>
           <a:xfrm>
-            <a:off x="457200" y="2926080"/>
-            <a:ext cx="8229600" cy="685800"/>
-          </a:xfrm>
-          <a:prstGeom prst="rect">
-            <a:avLst/>
-          </a:prstGeom>
-          <a:noFill/>
-          <a:ln/>
-        </p:spPr>
-        <p:txBody>
-          <a:bodyPr wrap="square" rtlCol="0" anchor="ctr"/>
-          <a:lstStyle/>
-          <a:p>
-            <a:pPr indent="0" marL="0">
-              <a:buNone/>
-            </a:pPr>
-            <a:r>
-              <a:rPr lang="en-US" sz="1800" dirty="0">
-                <a:solidFill>
-                  <a:srgbClr val="444444"/>
-                </a:solidFill>
-              </a:rPr>
-              <a:t>Hybrid deep learning architectures gaining prominence</a:t>
-            </a:r>
-            <a:endParaRPr lang="en-US" sz="1800" dirty="0"/>
+            <a:off x="457200" y="2651760"/>
+            <a:ext cx="7772400" cy="457200"/>
+          </a:xfrm>
+          <a:prstGeom prst="rect">
+            <a:avLst/>
+          </a:prstGeom>
+          <a:noFill/>
+          <a:ln/>
+        </p:spPr>
+        <p:txBody>
+          <a:bodyPr wrap="square" rtlCol="0" anchor="ctr"/>
+          <a:lstStyle/>
+          <a:p>
+            <a:pPr indent="0" marL="0">
+              <a:buNone/>
+            </a:pPr>
+            <a:r>
+              <a:rPr lang="en-US" sz="1600" dirty="0">
+                <a:solidFill>
+                  <a:srgbClr val="555555"/>
+                </a:solidFill>
+              </a:rPr>
+              <a:t>• Hybrid architectures combining multiple approaches</a:t>
+            </a:r>
+            <a:endParaRPr lang="en-US" sz="1600" dirty="0"/>
           </a:p>
         </p:txBody>
       </p:sp>
@@ -2939,7 +2903,7 @@
         </p:nvSpPr>
         <p:spPr>
           <a:xfrm>
-            <a:off x="457200" y="3703320"/>
+            <a:off x="457200" y="3154680"/>
             <a:ext cx="7772400" cy="457200"/>
           </a:xfrm>
           <a:prstGeom prst="rect">
@@ -2961,7 +2925,7 @@
                   <a:srgbClr val="555555"/>
                 </a:solidFill>
               </a:rPr>
-              <a:t>• Explainable AI (XAI) becoming standard requirement</a:t>
+              <a:t>• Evolutionary and LLM-driven optimization</a:t>
             </a:r>
             <a:endParaRPr lang="en-US" sz="1600" dirty="0"/>
           </a:p>
@@ -2975,7 +2939,7 @@
         </p:nvSpPr>
         <p:spPr>
           <a:xfrm>
-            <a:off x="457200" y="4206240"/>
+            <a:off x="457200" y="3657600"/>
             <a:ext cx="7772400" cy="457200"/>
           </a:xfrm>
           <a:prstGeom prst="rect">
@@ -2997,79 +2961,7 @@
                   <a:srgbClr val="555555"/>
                 </a:solidFill>
               </a:rPr>
-              <a:t>• Hybrid models combining multiple AI techniques</a:t>
-            </a:r>
-            <a:endParaRPr lang="en-US" sz="1600" dirty="0"/>
-          </a:p>
-        </p:txBody>
-      </p:sp>
-      <p:sp>
-        <p:nvSpPr>
-          <p:cNvPr id="8" name="Text 6"/>
-          <p:cNvSpPr/>
-          <p:nvPr/>
-        </p:nvSpPr>
-        <p:spPr>
-          <a:xfrm>
-            <a:off x="457200" y="4709160"/>
-            <a:ext cx="7772400" cy="457200"/>
-          </a:xfrm>
-          <a:prstGeom prst="rect">
-            <a:avLst/>
-          </a:prstGeom>
-          <a:noFill/>
-          <a:ln/>
-        </p:spPr>
-        <p:txBody>
-          <a:bodyPr wrap="square" rtlCol="0" anchor="ctr"/>
-          <a:lstStyle/>
-          <a:p>
-            <a:pPr indent="0" marL="0">
-              <a:buNone/>
-            </a:pPr>
-            <a:r>
-              <a:rPr lang="en-US" sz="1600" dirty="0">
-                <a:solidFill>
-                  <a:srgbClr val="555555"/>
-                </a:solidFill>
-              </a:rPr>
-              <a:t>• Cross-disciplinary applications driving innovation</a:t>
-            </a:r>
-            <a:endParaRPr lang="en-US" sz="1600" dirty="0"/>
-          </a:p>
-        </p:txBody>
-      </p:sp>
-      <p:sp>
-        <p:nvSpPr>
-          <p:cNvPr id="9" name="Text 7"/>
-          <p:cNvSpPr/>
-          <p:nvPr/>
-        </p:nvSpPr>
-        <p:spPr>
-          <a:xfrm>
-            <a:off x="457200" y="5212080"/>
-            <a:ext cx="7772400" cy="457200"/>
-          </a:xfrm>
-          <a:prstGeom prst="rect">
-            <a:avLst/>
-          </a:prstGeom>
-          <a:noFill/>
-          <a:ln/>
-        </p:spPr>
-        <p:txBody>
-          <a:bodyPr wrap="square" rtlCol="0" anchor="ctr"/>
-          <a:lstStyle/>
-          <a:p>
-            <a:pPr indent="0" marL="0">
-              <a:buNone/>
-            </a:pPr>
-            <a:r>
-              <a:rPr lang="en-US" sz="1600" dirty="0">
-                <a:solidFill>
-                  <a:srgbClr val="555555"/>
-                </a:solidFill>
-              </a:rPr>
-              <a:t>• Focus on interpretability and regulatory compliance</a:t>
+              <a:t>• Real-world deployment focus</a:t>
             </a:r>
             <a:endParaRPr lang="en-US" sz="1600" dirty="0"/>
           </a:p>
@@ -3130,7 +3022,7 @@
                   <a:srgbClr val="363636"/>
                 </a:solidFill>
               </a:rPr>
-              <a:t>Conclusion</a:t>
+              <a:t>Summary &amp; Download</a:t>
             </a:r>
             <a:endParaRPr lang="en-US" sz="3200" dirty="0"/>
           </a:p>
@@ -3166,7 +3058,7 @@
                   <a:srgbClr val="444444"/>
                 </a:solidFill>
               </a:rPr>
-              <a:t>2026 marked significant advancement in AI/ML research</a:t>
+              <a:t>Three cutting-edge papers representing the state of AI/ML research in 2026</a:t>
             </a:r>
             <a:endParaRPr lang="en-US" sz="1800" dirty="0"/>
           </a:p>
@@ -3202,7 +3094,7 @@
                   <a:srgbClr val="444444"/>
                 </a:solidFill>
               </a:rPr>
-              <a:t>Three papers represent cutting-edge applications across diverse fields</a:t>
+              <a:t>Each paper addresses fundamental challenges with novel approaches</a:t>
             </a:r>
             <a:endParaRPr lang="en-US" sz="1800" dirty="0"/>
           </a:p>
@@ -3217,30 +3109,30 @@
         <p:spPr>
           <a:xfrm>
             <a:off x="457200" y="2926080"/>
-            <a:ext cx="8229600" cy="685800"/>
-          </a:xfrm>
-          <a:prstGeom prst="rect">
-            <a:avLst/>
-          </a:prstGeom>
-          <a:noFill/>
-          <a:ln/>
-        </p:spPr>
-        <p:txBody>
-          <a:bodyPr wrap="square" rtlCol="0" anchor="ctr"/>
-          <a:lstStyle/>
-          <a:p>
-            <a:pPr indent="0" marL="0">
-              <a:buNone/>
-            </a:pPr>
-            <a:r>
-              <a:rPr lang="en-US" sz="1800" dirty="0">
-                <a:solidFill>
-                  <a:srgbClr val="444444"/>
-                </a:solidFill>
-              </a:rPr>
-              <a:t>Explainable AI and hybrid architectures are key trends</a:t>
-            </a:r>
-            <a:endParaRPr lang="en-US" sz="1800" dirty="0"/>
+            <a:ext cx="7772400" cy="457200"/>
+          </a:xfrm>
+          <a:prstGeom prst="rect">
+            <a:avLst/>
+          </a:prstGeom>
+          <a:noFill/>
+          <a:ln/>
+        </p:spPr>
+        <p:txBody>
+          <a:bodyPr wrap="square" rtlCol="0" anchor="ctr"/>
+          <a:lstStyle/>
+          <a:p>
+            <a:pPr indent="0" marL="0">
+              <a:buNone/>
+            </a:pPr>
+            <a:r>
+              <a:rPr lang="en-US" sz="1600" dirty="0">
+                <a:solidFill>
+                  <a:srgbClr val="555555"/>
+                </a:solidFill>
+              </a:rPr>
+              <a:t>• Download available: presentation.pptx</a:t>
+            </a:r>
+            <a:endParaRPr lang="en-US" sz="1600" dirty="0"/>
           </a:p>
         </p:txBody>
       </p:sp>
@@ -3252,7 +3144,7 @@
         </p:nvSpPr>
         <p:spPr>
           <a:xfrm>
-            <a:off x="457200" y="3703320"/>
+            <a:off x="457200" y="3429000"/>
             <a:ext cx="7772400" cy="457200"/>
           </a:xfrm>
           <a:prstGeom prst="rect">
@@ -3274,7 +3166,7 @@
                   <a:srgbClr val="555555"/>
                 </a:solidFill>
               </a:rPr>
-              <a:t>• AI research continues to mature with practical applications</a:t>
+              <a:t>• Stay updated on AI research trends</a:t>
             </a:r>
             <a:endParaRPr lang="en-US" sz="1600" dirty="0"/>
           </a:p>
@@ -3288,7 +3180,7 @@
         </p:nvSpPr>
         <p:spPr>
           <a:xfrm>
-            <a:off x="457200" y="4206240"/>
+            <a:off x="457200" y="3931920"/>
             <a:ext cx="7772400" cy="457200"/>
           </a:xfrm>
           <a:prstGeom prst="rect">
@@ -3310,79 +3202,7 @@
                   <a:srgbClr val="555555"/>
                 </a:solidFill>
               </a:rPr>
-              <a:t>• Focus on interpretability, trust, and regulatory compliance</a:t>
-            </a:r>
-            <a:endParaRPr lang="en-US" sz="1600" dirty="0"/>
-          </a:p>
-        </p:txBody>
-      </p:sp>
-      <p:sp>
-        <p:nvSpPr>
-          <p:cNvPr id="8" name="Text 6"/>
-          <p:cNvSpPr/>
-          <p:nvPr/>
-        </p:nvSpPr>
-        <p:spPr>
-          <a:xfrm>
-            <a:off x="457200" y="4709160"/>
-            <a:ext cx="7772400" cy="457200"/>
-          </a:xfrm>
-          <a:prstGeom prst="rect">
-            <a:avLst/>
-          </a:prstGeom>
-          <a:noFill/>
-          <a:ln/>
-        </p:spPr>
-        <p:txBody>
-          <a:bodyPr wrap="square" rtlCol="0" anchor="ctr"/>
-          <a:lstStyle/>
-          <a:p>
-            <a:pPr indent="0" marL="0">
-              <a:buNone/>
-            </a:pPr>
-            <a:r>
-              <a:rPr lang="en-US" sz="1600" dirty="0">
-                <a:solidFill>
-                  <a:srgbClr val="555555"/>
-                </a:solidFill>
-              </a:rPr>
-              <a:t>• Cross-disciplinary collaboration driving innovation</a:t>
-            </a:r>
-            <a:endParaRPr lang="en-US" sz="1600" dirty="0"/>
-          </a:p>
-        </p:txBody>
-      </p:sp>
-      <p:sp>
-        <p:nvSpPr>
-          <p:cNvPr id="9" name="Text 7"/>
-          <p:cNvSpPr/>
-          <p:nvPr/>
-        </p:nvSpPr>
-        <p:spPr>
-          <a:xfrm>
-            <a:off x="457200" y="5212080"/>
-            <a:ext cx="7772400" cy="457200"/>
-          </a:xfrm>
-          <a:prstGeom prst="rect">
-            <a:avLst/>
-          </a:prstGeom>
-          <a:noFill/>
-          <a:ln/>
-        </p:spPr>
-        <p:txBody>
-          <a:bodyPr wrap="square" rtlCol="0" anchor="ctr"/>
-          <a:lstStyle/>
-          <a:p>
-            <a:pPr indent="0" marL="0">
-              <a:buNone/>
-            </a:pPr>
-            <a:r>
-              <a:rPr lang="en-US" sz="1600" dirty="0">
-                <a:solidFill>
-                  <a:srgbClr val="555555"/>
-                </a:solidFill>
-              </a:rPr>
-              <a:t>• Future research should address ethical and practical challenges</a:t>
+              <a:t>• Access full papers via provided links</a:t>
             </a:r>
             <a:endParaRPr lang="en-US" sz="1600" dirty="0"/>
           </a:p>
